--- a/Presentations/Lab_6_Optimization.pptx
+++ b/Presentations/Lab_6_Optimization.pptx
@@ -5,19 +5,19 @@
     <p:sldMasterId id="2147483648" r:id="rId1"/>
   </p:sldMasterIdLst>
   <p:notesMasterIdLst>
-    <p:notesMasterId r:id="rId13"/>
+    <p:notesMasterId r:id="rId12"/>
   </p:notesMasterIdLst>
   <p:sldIdLst>
-    <p:sldId id="256" r:id="rId3"/>
-    <p:sldId id="261" r:id="rId4"/>
-    <p:sldId id="301" r:id="rId5"/>
-    <p:sldId id="309" r:id="rId6"/>
-    <p:sldId id="310" r:id="rId7"/>
-    <p:sldId id="274" r:id="rId8"/>
-    <p:sldId id="304" r:id="rId9"/>
-    <p:sldId id="306" r:id="rId10"/>
-    <p:sldId id="305" r:id="rId11"/>
-    <p:sldId id="260" r:id="rId12"/>
+    <p:sldId id="256" r:id="rId2"/>
+    <p:sldId id="261" r:id="rId3"/>
+    <p:sldId id="301" r:id="rId4"/>
+    <p:sldId id="309" r:id="rId5"/>
+    <p:sldId id="310" r:id="rId6"/>
+    <p:sldId id="274" r:id="rId7"/>
+    <p:sldId id="304" r:id="rId8"/>
+    <p:sldId id="306" r:id="rId9"/>
+    <p:sldId id="305" r:id="rId10"/>
+    <p:sldId id="260" r:id="rId11"/>
   </p:sldIdLst>
   <p:sldSz cx="9144000" cy="6858000" type="screen4x3"/>
   <p:notesSz cx="6858000" cy="9144000"/>
@@ -124,6 +124,8 @@
             <p14:sldId id="256"/>
             <p14:sldId id="261"/>
             <p14:sldId id="301"/>
+            <p14:sldId id="309"/>
+            <p14:sldId id="310"/>
             <p14:sldId id="274"/>
             <p14:sldId id="304"/>
             <p14:sldId id="306"/>
@@ -133,8 +135,26 @@
         </p14:section>
       </p14:sectionLst>
     </p:ext>
+    <p:ext uri="{EFAFB233-063F-42B5-8137-9DF3F51BA10A}">
+      <p15:sldGuideLst xmlns:p15="http://schemas.microsoft.com/office/powerpoint/2012/main">
+        <p15:guide id="1" orient="horz" pos="2205">
+          <p15:clr>
+            <a:srgbClr val="A4A3A4"/>
+          </p15:clr>
+        </p15:guide>
+        <p15:guide id="2" pos="2863">
+          <p15:clr>
+            <a:srgbClr val="A4A3A4"/>
+          </p15:clr>
+        </p15:guide>
+      </p15:sldGuideLst>
+    </p:ext>
   </p:extLst>
 </p:presentation>
+</file>
+
+<file path=ppt/revisionInfo.xml><?xml version="1.0" encoding="utf-8"?>
+<p1510:revInfo xmlns:a="http://schemas.openxmlformats.org/drawingml/2006/main" xmlns:r="http://schemas.openxmlformats.org/officeDocument/2006/relationships" xmlns:p1510="http://schemas.microsoft.com/office/powerpoint/2015/10/main"/>
 </file>
 
 <file path=ppt/notesMasters/notesMaster1.xml><?xml version="1.0" encoding="utf-8"?>
@@ -219,6 +239,7 @@
           <a:p>
             <a:fld id="{81CFF8C7-C57D-4492-855C-AD914604A572}" type="datetimeFigureOut">
               <a:rPr lang="ru-RU" smtClean="0"/>
+              <a:t>20.01.2018</a:t>
             </a:fld>
             <a:endParaRPr lang="ru-RU"/>
           </a:p>
@@ -285,7 +306,6 @@
               <a:rPr lang="ru-RU"/>
               <a:t>Образец текста</a:t>
             </a:r>
-            <a:endParaRPr lang="ru-RU"/>
           </a:p>
           <a:p>
             <a:pPr lvl="1"/>
@@ -293,7 +313,6 @@
               <a:rPr lang="ru-RU"/>
               <a:t>Второй уровень</a:t>
             </a:r>
-            <a:endParaRPr lang="ru-RU"/>
           </a:p>
           <a:p>
             <a:pPr lvl="2"/>
@@ -301,7 +320,6 @@
               <a:rPr lang="ru-RU"/>
               <a:t>Третий уровень</a:t>
             </a:r>
-            <a:endParaRPr lang="ru-RU"/>
           </a:p>
           <a:p>
             <a:pPr lvl="3"/>
@@ -309,7 +327,6 @@
               <a:rPr lang="ru-RU"/>
               <a:t>Четвертый уровень</a:t>
             </a:r>
-            <a:endParaRPr lang="ru-RU"/>
           </a:p>
           <a:p>
             <a:pPr lvl="4"/>
@@ -380,6 +397,7 @@
           <a:p>
             <a:fld id="{0CF71528-B6E9-4397-B8DB-FB98764CBEEF}" type="slidenum">
               <a:rPr lang="ru-RU" smtClean="0"/>
+              <a:t>‹#›</a:t>
             </a:fld>
             <a:endParaRPr lang="ru-RU"/>
           </a:p>
@@ -760,7 +778,6 @@
               <a:rPr lang="ru-RU" dirty="0"/>
               <a:t>Образец текста</a:t>
             </a:r>
-            <a:endParaRPr lang="ru-RU" dirty="0"/>
           </a:p>
           <a:p>
             <a:pPr lvl="1"/>
@@ -768,7 +785,6 @@
               <a:rPr lang="ru-RU" dirty="0"/>
               <a:t>Второй уровень</a:t>
             </a:r>
-            <a:endParaRPr lang="ru-RU" dirty="0"/>
           </a:p>
           <a:p>
             <a:pPr lvl="2"/>
@@ -776,7 +792,6 @@
               <a:rPr lang="ru-RU" dirty="0"/>
               <a:t>Третий уровень</a:t>
             </a:r>
-            <a:endParaRPr lang="ru-RU" dirty="0"/>
           </a:p>
           <a:p>
             <a:pPr lvl="3"/>
@@ -784,7 +799,6 @@
               <a:rPr lang="ru-RU" dirty="0"/>
               <a:t>Четвертый уровень</a:t>
             </a:r>
-            <a:endParaRPr lang="ru-RU" dirty="0"/>
           </a:p>
           <a:p>
             <a:pPr lvl="4"/>
@@ -821,6 +835,7 @@
           <a:p>
             <a:fld id="{33067CA6-2D92-4602-87FB-B81B94BA46B2}" type="slidenum">
               <a:rPr lang="ru-RU" smtClean="0"/>
+              <a:t>‹#›</a:t>
             </a:fld>
             <a:endParaRPr lang="ru-RU" dirty="0"/>
           </a:p>
@@ -1079,7 +1094,6 @@
               <a:rPr lang="ru-RU" dirty="0"/>
               <a:t>Образец текста</a:t>
             </a:r>
-            <a:endParaRPr lang="ru-RU" dirty="0"/>
           </a:p>
           <a:p>
             <a:pPr lvl="1"/>
@@ -1087,7 +1101,6 @@
               <a:rPr lang="ru-RU" dirty="0"/>
               <a:t>Второй уровень</a:t>
             </a:r>
-            <a:endParaRPr lang="ru-RU" dirty="0"/>
           </a:p>
           <a:p>
             <a:pPr lvl="2"/>
@@ -1095,7 +1108,6 @@
               <a:rPr lang="ru-RU" dirty="0"/>
               <a:t>Третий уровень</a:t>
             </a:r>
-            <a:endParaRPr lang="ru-RU" dirty="0"/>
           </a:p>
           <a:p>
             <a:pPr lvl="3"/>
@@ -1103,7 +1115,6 @@
               <a:rPr lang="ru-RU" dirty="0"/>
               <a:t>Четвертый уровень</a:t>
             </a:r>
-            <a:endParaRPr lang="ru-RU" dirty="0"/>
           </a:p>
           <a:p>
             <a:pPr lvl="4"/>
@@ -1140,6 +1151,7 @@
           <a:p>
             <a:fld id="{33067CA6-2D92-4602-87FB-B81B94BA46B2}" type="slidenum">
               <a:rPr lang="ru-RU" smtClean="0"/>
+              <a:t>‹#›</a:t>
             </a:fld>
             <a:endParaRPr lang="ru-RU" dirty="0"/>
           </a:p>
@@ -1255,6 +1267,7 @@
           <a:p>
             <a:fld id="{33067CA6-2D92-4602-87FB-B81B94BA46B2}" type="slidenum">
               <a:rPr lang="ru-RU" smtClean="0"/>
+              <a:t>‹#›</a:t>
             </a:fld>
             <a:endParaRPr lang="ru-RU" dirty="0"/>
           </a:p>
@@ -1285,7 +1298,6 @@
               <a:rPr lang="ru-RU" dirty="0"/>
               <a:t>Образец текста</a:t>
             </a:r>
-            <a:endParaRPr lang="ru-RU" dirty="0"/>
           </a:p>
           <a:p>
             <a:pPr lvl="1"/>
@@ -1293,7 +1305,6 @@
               <a:rPr lang="ru-RU" dirty="0"/>
               <a:t>Второй уровень</a:t>
             </a:r>
-            <a:endParaRPr lang="ru-RU" dirty="0"/>
           </a:p>
           <a:p>
             <a:pPr lvl="2"/>
@@ -1301,7 +1312,6 @@
               <a:rPr lang="ru-RU" dirty="0"/>
               <a:t>Третий уровень</a:t>
             </a:r>
-            <a:endParaRPr lang="ru-RU" dirty="0"/>
           </a:p>
           <a:p>
             <a:pPr lvl="3"/>
@@ -1309,7 +1319,6 @@
               <a:rPr lang="ru-RU" dirty="0"/>
               <a:t>Четвертый уровень</a:t>
             </a:r>
-            <a:endParaRPr lang="ru-RU" dirty="0"/>
           </a:p>
           <a:p>
             <a:pPr lvl="4"/>
@@ -1601,7 +1610,7 @@
     <p:bg>
       <p:bgPr>
         <a:blipFill dpi="0" rotWithShape="1">
-          <a:blip r:embed="rId6">
+          <a:blip r:embed="rId7">
             <a:lum/>
           </a:blip>
           <a:srcRect/>
@@ -1688,7 +1697,6 @@
               <a:rPr lang="ru-RU"/>
               <a:t>Образец текста</a:t>
             </a:r>
-            <a:endParaRPr lang="ru-RU"/>
           </a:p>
           <a:p>
             <a:pPr lvl="1"/>
@@ -1696,7 +1704,6 @@
               <a:rPr lang="ru-RU"/>
               <a:t>Второй уровень</a:t>
             </a:r>
-            <a:endParaRPr lang="ru-RU"/>
           </a:p>
           <a:p>
             <a:pPr lvl="2"/>
@@ -1704,7 +1711,6 @@
               <a:rPr lang="ru-RU"/>
               <a:t>Третий уровень</a:t>
             </a:r>
-            <a:endParaRPr lang="ru-RU"/>
           </a:p>
           <a:p>
             <a:pPr lvl="3"/>
@@ -1712,7 +1718,6 @@
               <a:rPr lang="ru-RU"/>
               <a:t>Четвертый уровень</a:t>
             </a:r>
-            <a:endParaRPr lang="ru-RU"/>
           </a:p>
           <a:p>
             <a:pPr lvl="4"/>
@@ -1758,6 +1763,7 @@
           <a:p>
             <a:fld id="{B3D7935A-E16E-4B6D-89BB-CEE100CDDA09}" type="datetime1">
               <a:rPr lang="ru-RU" smtClean="0"/>
+              <a:t>20.01.2018</a:t>
             </a:fld>
             <a:endParaRPr lang="ru-RU"/>
           </a:p>
@@ -1835,6 +1841,7 @@
           <a:p>
             <a:fld id="{33067CA6-2D92-4602-87FB-B81B94BA46B2}" type="slidenum">
               <a:rPr lang="ru-RU" smtClean="0"/>
+              <a:t>‹#›</a:t>
             </a:fld>
             <a:endParaRPr lang="ru-RU"/>
           </a:p>
@@ -2183,9 +2190,6 @@
               </a:rPr>
               <a:t>Герман Константинович</a:t>
             </a:r>
-            <a:endParaRPr lang="ru-RU" altLang="ru-RU" sz="2400" dirty="0">
-              <a:latin typeface="Noto Sans UI" charset="0"/>
-            </a:endParaRPr>
           </a:p>
           <a:p>
             <a:pPr algn="r"/>
@@ -2332,53 +2336,50 @@
               <a:rPr lang="x-none" altLang="ru-RU" dirty="0"/>
               <a:t>Задачи на пару:</a:t>
             </a:r>
-            <a:endParaRPr lang="x-none" altLang="ru-RU" dirty="0"/>
-          </a:p>
-          <a:p>
+          </a:p>
+          <a:p>
+            <a:pPr lvl="1"/>
             <a:r>
               <a:rPr lang="x-none" altLang="ru-RU" dirty="0"/>
               <a:t>Домашнее задание</a:t>
             </a:r>
-            <a:endParaRPr lang="x-none" altLang="ru-RU" dirty="0"/>
-          </a:p>
-          <a:p>
+          </a:p>
+          <a:p>
+            <a:pPr lvl="1"/>
             <a:r>
               <a:rPr lang="x-none" altLang="ru-RU" dirty="0">
                 <a:sym typeface="+mn-ea"/>
               </a:rPr>
               <a:t>Представления</a:t>
             </a:r>
-            <a:endParaRPr lang="x-none" altLang="ru-RU" dirty="0">
-              <a:sym typeface="+mn-ea"/>
-            </a:endParaRPr>
-          </a:p>
-          <a:p>
+          </a:p>
+          <a:p>
+            <a:pPr lvl="1"/>
             <a:r>
               <a:rPr lang="x-none" altLang="en-US" dirty="0"/>
               <a:t>Оконные функции</a:t>
             </a:r>
-            <a:endParaRPr lang="x-none" altLang="en-US" dirty="0"/>
-          </a:p>
-          <a:p>
+          </a:p>
+          <a:p>
+            <a:pPr lvl="1"/>
             <a:r>
               <a:rPr lang="en-US" altLang="ru-RU" dirty="0"/>
               <a:t>EXPLAIN</a:t>
             </a:r>
-            <a:endParaRPr lang="en-US" altLang="ru-RU" dirty="0"/>
-          </a:p>
-          <a:p>
+          </a:p>
+          <a:p>
+            <a:pPr lvl="1"/>
             <a:r>
               <a:rPr lang="ru-RU" altLang="ru-RU" dirty="0"/>
               <a:t>Параметры планировщика</a:t>
             </a:r>
-            <a:endParaRPr lang="ru-RU" altLang="ru-RU" dirty="0"/>
-          </a:p>
-          <a:p>
+          </a:p>
+          <a:p>
+            <a:pPr lvl="1"/>
             <a:r>
               <a:rPr lang="ru-RU" altLang="ru-RU" dirty="0"/>
               <a:t>Индексы</a:t>
             </a:r>
-            <a:endParaRPr lang="ru-RU" altLang="ru-RU" dirty="0"/>
           </a:p>
           <a:p>
             <a:pPr marL="0" indent="0">
@@ -2405,6 +2406,7 @@
           <a:p>
             <a:fld id="{33067CA6-2D92-4602-87FB-B81B94BA46B2}" type="slidenum">
               <a:rPr lang="ru-RU" smtClean="0"/>
+              <a:t>2</a:t>
             </a:fld>
             <a:endParaRPr lang="ru-RU" dirty="0"/>
           </a:p>
@@ -2481,7 +2483,6 @@
               <a:rPr lang="x-none" altLang="ru-RU" sz="2400"/>
               <a:t>Критерии оценки:</a:t>
             </a:r>
-            <a:endParaRPr lang="x-none" altLang="ru-RU" sz="2400"/>
           </a:p>
           <a:p>
             <a:endParaRPr lang="ru-RU" altLang="en-US" sz="2400"/>
@@ -2505,21 +2506,18 @@
               <a:rPr lang="x-none" altLang="ru-RU" sz="2400"/>
               <a:t>Правильные JOIN</a:t>
             </a:r>
-            <a:endParaRPr lang="x-none" altLang="ru-RU" sz="2400"/>
           </a:p>
           <a:p>
             <a:r>
               <a:rPr lang="x-none" altLang="ru-RU" sz="2400"/>
               <a:t>Правильные группировки</a:t>
             </a:r>
-            <a:endParaRPr lang="x-none" altLang="ru-RU" sz="2400"/>
           </a:p>
           <a:p>
             <a:r>
               <a:rPr lang="x-none" sz="2400"/>
               <a:t>Уникальность запроса</a:t>
             </a:r>
-            <a:endParaRPr lang="x-none" sz="2400"/>
           </a:p>
           <a:p>
             <a:r>
@@ -2540,7 +2538,7 @@
           </p:nvPr>
         </p:nvPicPr>
         <p:blipFill>
-          <a:blip r:embed="rId1"/>
+          <a:blip r:embed="rId2"/>
           <a:stretch>
             <a:fillRect/>
           </a:stretch>
@@ -2572,6 +2570,7 @@
           <a:p>
             <a:fld id="{33067CA6-2D92-4602-87FB-B81B94BA46B2}" type="slidenum">
               <a:rPr lang="ru-RU" smtClean="0"/>
+              <a:t>3</a:t>
             </a:fld>
             <a:endParaRPr lang="ru-RU" dirty="0"/>
           </a:p>
@@ -2588,7 +2587,7 @@
           </p:nvPr>
         </p:nvPicPr>
         <p:blipFill>
-          <a:blip r:embed="rId2"/>
+          <a:blip r:embed="rId3"/>
           <a:stretch>
             <a:fillRect/>
           </a:stretch>
@@ -2614,7 +2613,7 @@
           </p:nvPr>
         </p:nvPicPr>
         <p:blipFill>
-          <a:blip r:embed="rId3"/>
+          <a:blip r:embed="rId4"/>
           <a:stretch>
             <a:fillRect/>
           </a:stretch>
@@ -2685,12 +2684,6 @@
               </a:rPr>
               <a:t>Представления</a:t>
             </a:r>
-            <a:endParaRPr lang="x-none" altLang="en-US" dirty="0">
-              <a:solidFill>
-                <a:srgbClr val="9F2D20"/>
-              </a:solidFill>
-              <a:sym typeface="+mn-ea"/>
-            </a:endParaRPr>
           </a:p>
         </p:txBody>
       </p:sp>
@@ -2711,6 +2704,7 @@
           <a:p>
             <a:fld id="{33067CA6-2D92-4602-87FB-B81B94BA46B2}" type="slidenum">
               <a:rPr lang="ru-RU" smtClean="0"/>
+              <a:t>4</a:t>
             </a:fld>
             <a:endParaRPr lang="ru-RU" dirty="0"/>
           </a:p>
@@ -2770,7 +2764,6 @@
               <a:rPr lang="x-none" altLang="en-US" sz="2400" dirty="0"/>
               <a:t>таблицы чье содержание выбирается или получается из других таблиц.</a:t>
             </a:r>
-            <a:endParaRPr lang="x-none" altLang="en-US" sz="2400" dirty="0"/>
           </a:p>
           <a:p>
             <a:endParaRPr altLang="ru-RU" dirty="0"/>
@@ -2783,7 +2776,6 @@
               <a:rPr lang="ru-RU" altLang="ru-RU" sz="2400" dirty="0"/>
               <a:t>    </a:t>
             </a:r>
-            <a:endParaRPr lang="ru-RU" altLang="ru-RU" sz="2400" dirty="0"/>
           </a:p>
           <a:p>
             <a:r>
@@ -2798,7 +2790,6 @@
               <a:rPr lang="ru-RU" altLang="ru-RU" sz="2400" dirty="0"/>
               <a:t> Nameorders</a:t>
             </a:r>
-            <a:endParaRPr lang="ru-RU" altLang="ru-RU" sz="2400" dirty="0"/>
           </a:p>
           <a:p>
             <a:r>
@@ -2817,7 +2808,6 @@
               <a:rPr lang="ru-RU" altLang="ru-RU" sz="2400" dirty="0"/>
               <a:t> onum, amt, a.snum, sname, cname</a:t>
             </a:r>
-            <a:endParaRPr lang="ru-RU" altLang="ru-RU" sz="2400" dirty="0"/>
           </a:p>
           <a:p>
             <a:r>
@@ -2836,7 +2826,6 @@
               <a:rPr lang="ru-RU" altLang="ru-RU" sz="2400" dirty="0"/>
               <a:t>Orders a, Customers b, Salespeople c</a:t>
             </a:r>
-            <a:endParaRPr lang="ru-RU" altLang="ru-RU" sz="2400" dirty="0"/>
           </a:p>
           <a:p>
             <a:r>
@@ -2855,7 +2844,6 @@
               <a:rPr lang="ru-RU" altLang="ru-RU" sz="2400" dirty="0"/>
               <a:t>a.cnum = b.cnum</a:t>
             </a:r>
-            <a:endParaRPr lang="ru-RU" altLang="ru-RU" sz="2400" dirty="0"/>
           </a:p>
           <a:p>
             <a:r>
@@ -2874,7 +2862,6 @@
               <a:rPr lang="ru-RU" altLang="ru-RU" sz="2400" dirty="0"/>
               <a:t>a.snum = c.snum;</a:t>
             </a:r>
-            <a:endParaRPr lang="ru-RU" altLang="ru-RU" sz="2400" dirty="0"/>
           </a:p>
           <a:p>
             <a:endParaRPr lang="x-none" altLang="ru-RU" sz="2300" dirty="0"/>
@@ -2954,6 +2941,7 @@
           <a:p>
             <a:fld id="{33067CA6-2D92-4602-87FB-B81B94BA46B2}" type="slidenum">
               <a:rPr lang="ru-RU" smtClean="0"/>
+              <a:t>5</a:t>
             </a:fld>
             <a:endParaRPr lang="ru-RU" dirty="0"/>
           </a:p>
@@ -2990,12 +2978,6 @@
               </a:rPr>
               <a:t>ОКОННЫЕ ФУНКЦИИ: </a:t>
             </a:r>
-            <a:endParaRPr lang="x-none" sz="2300" dirty="0">
-              <a:solidFill>
-                <a:srgbClr val="9F2D20"/>
-              </a:solidFill>
-              <a:sym typeface="+mn-ea"/>
-            </a:endParaRPr>
           </a:p>
           <a:p>
             <a:endParaRPr lang="x-none" altLang="ru-RU" sz="2300" dirty="0">
@@ -3063,12 +3045,6 @@
               </a:rPr>
               <a:t>)</a:t>
             </a:r>
-            <a:endParaRPr lang="x-none" altLang="ru-RU" sz="2300" dirty="0">
-              <a:solidFill>
-                <a:schemeClr val="tx1"/>
-              </a:solidFill>
-              <a:sym typeface="+mn-ea"/>
-            </a:endParaRPr>
           </a:p>
           <a:p>
             <a:pPr marL="800100" lvl="1" indent="-342900">
@@ -3100,7 +3076,6 @@
               <a:rPr lang="x-none" altLang="ru-RU" sz="2300" dirty="0"/>
               <a:t>() as total_salary</a:t>
             </a:r>
-            <a:endParaRPr lang="x-none" altLang="ru-RU" sz="2300" dirty="0"/>
           </a:p>
           <a:p>
             <a:pPr marL="800100" lvl="1" indent="-342900">
@@ -3170,7 +3145,6 @@
               <a:rPr lang="x-none" altLang="ru-RU" sz="2300" dirty="0"/>
               <a:t>)</a:t>
             </a:r>
-            <a:endParaRPr lang="x-none" altLang="ru-RU" sz="2300" dirty="0"/>
           </a:p>
           <a:p>
             <a:pPr marL="800100" lvl="1" indent="-342900">
@@ -3238,7 +3212,6 @@
               <a:rPr lang="x-none" altLang="ru-RU" sz="2300" dirty="0"/>
               <a:t>) </a:t>
             </a:r>
-            <a:endParaRPr lang="x-none" altLang="ru-RU" sz="2300" dirty="0"/>
           </a:p>
           <a:p>
             <a:pPr lvl="1" indent="0">
@@ -3266,7 +3239,6 @@
               <a:rPr lang="x-none" altLang="ru-RU" sz="2300" dirty="0"/>
               <a:t>- сахар для избежания дублирования</a:t>
             </a:r>
-            <a:endParaRPr lang="x-none" altLang="ru-RU" sz="2300" dirty="0"/>
           </a:p>
         </p:txBody>
       </p:sp>
@@ -3341,6 +3313,7 @@
           <a:p>
             <a:fld id="{33067CA6-2D92-4602-87FB-B81B94BA46B2}" type="slidenum">
               <a:rPr lang="ru-RU" smtClean="0"/>
+              <a:t>6</a:t>
             </a:fld>
             <a:endParaRPr lang="ru-RU" dirty="0"/>
           </a:p>
@@ -3418,11 +3391,6 @@
               </a:rPr>
               <a:t>:</a:t>
             </a:r>
-            <a:endParaRPr lang="x-none" altLang="ru-RU" sz="2400" dirty="0">
-              <a:solidFill>
-                <a:srgbClr val="9F2D20"/>
-              </a:solidFill>
-            </a:endParaRPr>
           </a:p>
           <a:p>
             <a:pPr marL="742950" lvl="1" indent="-285750">
@@ -3444,7 +3412,6 @@
               <a:rPr lang="ru-RU" altLang="ru-RU" sz="2000" dirty="0"/>
               <a:t>стоимость работ после выполнения узла</a:t>
             </a:r>
-            <a:endParaRPr lang="ru-RU" altLang="ru-RU" sz="2000" dirty="0"/>
           </a:p>
           <a:p>
             <a:pPr marL="742950" lvl="1" indent="-285750">
@@ -3455,7 +3422,6 @@
               <a:rPr lang="ru-RU" altLang="ru-RU" sz="2000" dirty="0"/>
               <a:t>число строк</a:t>
             </a:r>
-            <a:endParaRPr lang="ru-RU" altLang="ru-RU" sz="2000" dirty="0"/>
           </a:p>
           <a:p>
             <a:pPr marL="742950" lvl="1" indent="-285750">
@@ -3466,7 +3432,6 @@
               <a:rPr lang="ru-RU" altLang="ru-RU" sz="2000" dirty="0"/>
               <a:t>средняя длина строки</a:t>
             </a:r>
-            <a:endParaRPr lang="ru-RU" altLang="ru-RU" sz="2000" dirty="0"/>
           </a:p>
           <a:p>
             <a:endParaRPr lang="ru-RU" altLang="ru-RU" sz="2400" dirty="0"/>
@@ -3484,7 +3449,6 @@
               <a:rPr lang="ru-RU" altLang="ru-RU" sz="2400" dirty="0"/>
               <a:t> – количество обращений на получение страниц с диска</a:t>
             </a:r>
-            <a:endParaRPr lang="ru-RU" altLang="ru-RU" sz="2400" dirty="0"/>
           </a:p>
           <a:p>
             <a:endParaRPr lang="ru-RU" altLang="ru-RU" sz="2400" dirty="0"/>
@@ -3577,6 +3541,7 @@
           <a:p>
             <a:fld id="{33067CA6-2D92-4602-87FB-B81B94BA46B2}" type="slidenum">
               <a:rPr lang="ru-RU" smtClean="0"/>
+              <a:t>7</a:t>
             </a:fld>
             <a:endParaRPr lang="ru-RU" dirty="0"/>
           </a:p>
@@ -3620,11 +3585,6 @@
               </a:rPr>
               <a:t>:</a:t>
             </a:r>
-            <a:endParaRPr lang="en-US" altLang="ru-RU" sz="2400" dirty="0">
-              <a:solidFill>
-                <a:srgbClr val="9F2D20"/>
-              </a:solidFill>
-            </a:endParaRPr>
           </a:p>
           <a:p>
             <a:endParaRPr lang="x-none" sz="2400" dirty="0">
@@ -3654,7 +3614,6 @@
               <a:rPr lang="en-US" sz="2000" dirty="0"/>
               <a:t>)</a:t>
             </a:r>
-            <a:endParaRPr lang="en-US" sz="2000" dirty="0"/>
           </a:p>
           <a:p>
             <a:pPr marL="800100" lvl="1" indent="-342900">
@@ -3731,7 +3690,6 @@
               <a:rPr lang="en-US" sz="2000" dirty="0"/>
               <a:t>) </a:t>
             </a:r>
-            <a:endParaRPr lang="en-US" sz="2000" dirty="0"/>
           </a:p>
           <a:p>
             <a:pPr marL="800100" lvl="1" indent="-342900">
@@ -3754,7 +3712,6 @@
               <a:rPr lang="en-US" sz="2000" dirty="0"/>
               <a:t>)</a:t>
             </a:r>
-            <a:endParaRPr lang="en-US" sz="2000" dirty="0"/>
           </a:p>
           <a:p>
             <a:pPr marL="800100" lvl="1" indent="-342900">
@@ -3804,7 +3761,6 @@
               <a:rPr lang="en-US" sz="2000" dirty="0"/>
               <a:t>) </a:t>
             </a:r>
-            <a:endParaRPr lang="en-US" sz="2000" dirty="0"/>
           </a:p>
           <a:p>
             <a:pPr marL="800100" lvl="1" indent="-342900">
@@ -3827,7 +3783,6 @@
               <a:rPr lang="en-US" sz="2000" dirty="0"/>
               <a:t>) </a:t>
             </a:r>
-            <a:endParaRPr lang="en-US" sz="2000" dirty="0"/>
           </a:p>
           <a:p>
             <a:pPr marL="800100" lvl="1" indent="-342900">
@@ -3877,7 +3832,6 @@
               <a:rPr lang="en-US" sz="2000" dirty="0"/>
               <a:t>) </a:t>
             </a:r>
-            <a:endParaRPr lang="en-US" sz="2000" dirty="0"/>
           </a:p>
           <a:p>
             <a:pPr marL="800100" lvl="1" indent="-342900">
@@ -4011,6 +3965,7 @@
                 <a:ea typeface="+mn-ea"/>
                 <a:cs typeface="+mn-cs"/>
               </a:rPr>
+              <a:t>8</a:t>
             </a:fld>
             <a:endParaRPr kumimoji="0" lang="ru-RU" sz="1200" b="0" i="0" u="none" strike="noStrike" kern="1200" cap="none" spc="0" normalizeH="0" baseline="0" noProof="0" dirty="0">
               <a:ln>
@@ -4165,12 +4120,6 @@
               </a:rPr>
               <a:t> = false;</a:t>
             </a:r>
-            <a:endParaRPr lang="en-US" sz="2400" dirty="0">
-              <a:solidFill>
-                <a:prstClr val="black"/>
-              </a:solidFill>
-              <a:latin typeface="Calibri"/>
-            </a:endParaRPr>
           </a:p>
           <a:p>
             <a:pPr marL="0" marR="0" lvl="0" indent="0" algn="l" defTabSz="914400" rtl="0" eaLnBrk="1" fontAlgn="auto" latinLnBrk="0" hangingPunct="1">
@@ -4248,12 +4197,6 @@
               </a:rPr>
               <a:t> = false;</a:t>
             </a:r>
-            <a:endParaRPr lang="en-US" sz="2400" dirty="0">
-              <a:solidFill>
-                <a:prstClr val="black"/>
-              </a:solidFill>
-              <a:latin typeface="Calibri"/>
-            </a:endParaRPr>
           </a:p>
           <a:p>
             <a:pPr marL="0" marR="0" lvl="0" indent="0" algn="l" defTabSz="914400" rtl="0" eaLnBrk="1" fontAlgn="auto" latinLnBrk="0" hangingPunct="1">
@@ -4414,20 +4357,6 @@
               </a:rPr>
               <a:t>;</a:t>
             </a:r>
-            <a:endParaRPr kumimoji="0" lang="en-US" sz="2400" b="0" i="0" u="none" strike="noStrike" kern="1200" cap="none" spc="0" normalizeH="0" baseline="0" noProof="0" dirty="0">
-              <a:ln>
-                <a:noFill/>
-              </a:ln>
-              <a:solidFill>
-                <a:prstClr val="black"/>
-              </a:solidFill>
-              <a:effectLst/>
-              <a:uLnTx/>
-              <a:uFillTx/>
-              <a:latin typeface="Calibri"/>
-              <a:ea typeface="+mn-ea"/>
-              <a:cs typeface="+mn-cs"/>
-            </a:endParaRPr>
           </a:p>
           <a:p>
             <a:pPr marL="0" marR="0" lvl="0" indent="0" algn="l" defTabSz="914400" rtl="0" eaLnBrk="1" fontAlgn="auto" latinLnBrk="0" hangingPunct="1">
@@ -4747,7 +4676,6 @@
               <a:rPr lang="en-US" sz="2400" dirty="0"/>
               <a:t>:</a:t>
             </a:r>
-            <a:endParaRPr lang="en-US" sz="2400" dirty="0"/>
           </a:p>
           <a:p>
             <a:pPr marL="0" indent="0">
@@ -4806,6 +4734,7 @@
           <a:p>
             <a:fld id="{33067CA6-2D92-4602-87FB-B81B94BA46B2}" type="slidenum">
               <a:rPr lang="ru-RU" smtClean="0"/>
+              <a:t>9</a:t>
             </a:fld>
             <a:endParaRPr lang="ru-RU" dirty="0"/>
           </a:p>
